--- a/16. DFD Essencial para cada Capacidade.pptx
+++ b/16. DFD Essencial para cada Capacidade.pptx
@@ -106,6 +106,11 @@
       </a:defRPr>
     </a:lvl9pPr>
   </p:defaultTextStyle>
+  <p:extLst>
+    <p:ext uri="{EFAFB233-063F-42B5-8137-9DF3F51BA10A}">
+      <p15:sldGuideLst xmlns:p15="http://schemas.microsoft.com/office/powerpoint/2012/main"/>
+    </p:ext>
+  </p:extLst>
 </p:presentation>
 </file>
 
@@ -256,7 +261,7 @@
           <a:p>
             <a:fld id="{6F422344-F394-424A-896C-8000F1D83436}" type="datetimeFigureOut">
               <a:rPr lang="pt-BR" smtClean="0"/>
-              <a:t>18/09/2020</a:t>
+              <a:t>27/09/2020</a:t>
             </a:fld>
             <a:endParaRPr lang="pt-BR"/>
           </a:p>
@@ -454,7 +459,7 @@
           <a:p>
             <a:fld id="{6F422344-F394-424A-896C-8000F1D83436}" type="datetimeFigureOut">
               <a:rPr lang="pt-BR" smtClean="0"/>
-              <a:t>18/09/2020</a:t>
+              <a:t>27/09/2020</a:t>
             </a:fld>
             <a:endParaRPr lang="pt-BR"/>
           </a:p>
@@ -662,7 +667,7 @@
           <a:p>
             <a:fld id="{6F422344-F394-424A-896C-8000F1D83436}" type="datetimeFigureOut">
               <a:rPr lang="pt-BR" smtClean="0"/>
-              <a:t>18/09/2020</a:t>
+              <a:t>27/09/2020</a:t>
             </a:fld>
             <a:endParaRPr lang="pt-BR"/>
           </a:p>
@@ -860,7 +865,7 @@
           <a:p>
             <a:fld id="{6F422344-F394-424A-896C-8000F1D83436}" type="datetimeFigureOut">
               <a:rPr lang="pt-BR" smtClean="0"/>
-              <a:t>18/09/2020</a:t>
+              <a:t>27/09/2020</a:t>
             </a:fld>
             <a:endParaRPr lang="pt-BR"/>
           </a:p>
@@ -1135,7 +1140,7 @@
           <a:p>
             <a:fld id="{6F422344-F394-424A-896C-8000F1D83436}" type="datetimeFigureOut">
               <a:rPr lang="pt-BR" smtClean="0"/>
-              <a:t>18/09/2020</a:t>
+              <a:t>27/09/2020</a:t>
             </a:fld>
             <a:endParaRPr lang="pt-BR"/>
           </a:p>
@@ -1400,7 +1405,7 @@
           <a:p>
             <a:fld id="{6F422344-F394-424A-896C-8000F1D83436}" type="datetimeFigureOut">
               <a:rPr lang="pt-BR" smtClean="0"/>
-              <a:t>18/09/2020</a:t>
+              <a:t>27/09/2020</a:t>
             </a:fld>
             <a:endParaRPr lang="pt-BR"/>
           </a:p>
@@ -1812,7 +1817,7 @@
           <a:p>
             <a:fld id="{6F422344-F394-424A-896C-8000F1D83436}" type="datetimeFigureOut">
               <a:rPr lang="pt-BR" smtClean="0"/>
-              <a:t>18/09/2020</a:t>
+              <a:t>27/09/2020</a:t>
             </a:fld>
             <a:endParaRPr lang="pt-BR"/>
           </a:p>
@@ -1953,7 +1958,7 @@
           <a:p>
             <a:fld id="{6F422344-F394-424A-896C-8000F1D83436}" type="datetimeFigureOut">
               <a:rPr lang="pt-BR" smtClean="0"/>
-              <a:t>18/09/2020</a:t>
+              <a:t>27/09/2020</a:t>
             </a:fld>
             <a:endParaRPr lang="pt-BR"/>
           </a:p>
@@ -2066,7 +2071,7 @@
           <a:p>
             <a:fld id="{6F422344-F394-424A-896C-8000F1D83436}" type="datetimeFigureOut">
               <a:rPr lang="pt-BR" smtClean="0"/>
-              <a:t>18/09/2020</a:t>
+              <a:t>27/09/2020</a:t>
             </a:fld>
             <a:endParaRPr lang="pt-BR"/>
           </a:p>
@@ -2377,7 +2382,7 @@
           <a:p>
             <a:fld id="{6F422344-F394-424A-896C-8000F1D83436}" type="datetimeFigureOut">
               <a:rPr lang="pt-BR" smtClean="0"/>
-              <a:t>18/09/2020</a:t>
+              <a:t>27/09/2020</a:t>
             </a:fld>
             <a:endParaRPr lang="pt-BR"/>
           </a:p>
@@ -2665,7 +2670,7 @@
           <a:p>
             <a:fld id="{6F422344-F394-424A-896C-8000F1D83436}" type="datetimeFigureOut">
               <a:rPr lang="pt-BR" smtClean="0"/>
-              <a:t>18/09/2020</a:t>
+              <a:t>27/09/2020</a:t>
             </a:fld>
             <a:endParaRPr lang="pt-BR"/>
           </a:p>
@@ -2906,7 +2911,7 @@
           <a:p>
             <a:fld id="{6F422344-F394-424A-896C-8000F1D83436}" type="datetimeFigureOut">
               <a:rPr lang="pt-BR" smtClean="0"/>
-              <a:t>18/09/2020</a:t>
+              <a:t>27/09/2020</a:t>
             </a:fld>
             <a:endParaRPr lang="pt-BR"/>
           </a:p>
@@ -3325,10 +3330,10 @@
       </p:grpSpPr>
       <p:pic>
         <p:nvPicPr>
-          <p:cNvPr id="7" name="Imagem 6">
-            <a:extLst>
-              <a:ext uri="{FF2B5EF4-FFF2-40B4-BE49-F238E27FC236}">
-                <a16:creationId xmlns:a16="http://schemas.microsoft.com/office/drawing/2014/main" id="{D7A03494-C405-4DCB-ACD5-6451F06277A5}"/>
+          <p:cNvPr id="3" name="Imagem 2">
+            <a:extLst>
+              <a:ext uri="{FF2B5EF4-FFF2-40B4-BE49-F238E27FC236}">
+                <a16:creationId xmlns:a16="http://schemas.microsoft.com/office/drawing/2014/main" id="{E31AA929-08C8-4D77-A9E0-4F418E049A4C}"/>
               </a:ext>
             </a:extLst>
           </p:cNvPr>
@@ -3351,8 +3356,8 @@
         </p:blipFill>
         <p:spPr>
           <a:xfrm>
-            <a:off x="769566" y="237572"/>
-            <a:ext cx="10652867" cy="6382855"/>
+            <a:off x="1241356" y="0"/>
+            <a:ext cx="9709288" cy="6858000"/>
           </a:xfrm>
           <a:prstGeom prst="rect">
             <a:avLst/>
@@ -3391,15 +3396,15 @@
       </p:grpSpPr>
       <p:pic>
         <p:nvPicPr>
-          <p:cNvPr id="1026" name="Picture 2">
-            <a:extLst>
-              <a:ext uri="{FF2B5EF4-FFF2-40B4-BE49-F238E27FC236}">
-                <a16:creationId xmlns:a16="http://schemas.microsoft.com/office/drawing/2014/main" id="{3E34AFDE-5EBD-4114-B795-EB78A146A7BD}"/>
+          <p:cNvPr id="3" name="Imagem 2">
+            <a:extLst>
+              <a:ext uri="{FF2B5EF4-FFF2-40B4-BE49-F238E27FC236}">
+                <a16:creationId xmlns:a16="http://schemas.microsoft.com/office/drawing/2014/main" id="{2A34B070-3157-4237-A57C-E3B0D7F27D23}"/>
               </a:ext>
             </a:extLst>
           </p:cNvPr>
           <p:cNvPicPr>
-            <a:picLocks noChangeAspect="1" noChangeArrowheads="1"/>
+            <a:picLocks noChangeAspect="1"/>
           </p:cNvPicPr>
           <p:nvPr/>
         </p:nvPicPr>
@@ -3411,29 +3416,18 @@
               </a:ext>
             </a:extLst>
           </a:blip>
-          <a:srcRect/>
           <a:stretch>
             <a:fillRect/>
           </a:stretch>
         </p:blipFill>
-        <p:spPr bwMode="auto">
+        <p:spPr>
           <a:xfrm>
-            <a:off x="1508511" y="0"/>
-            <a:ext cx="8805863" cy="6858000"/>
+            <a:off x="918882" y="0"/>
+            <a:ext cx="10354235" cy="6858000"/>
           </a:xfrm>
           <a:prstGeom prst="rect">
             <a:avLst/>
           </a:prstGeom>
-          <a:noFill/>
-          <a:extLst>
-            <a:ext uri="{909E8E84-426E-40DD-AFC4-6F175D3DCCD1}">
-              <a14:hiddenFill xmlns:a14="http://schemas.microsoft.com/office/drawing/2010/main">
-                <a:solidFill>
-                  <a:srgbClr val="FFFFFF"/>
-                </a:solidFill>
-              </a14:hiddenFill>
-            </a:ext>
-          </a:extLst>
         </p:spPr>
       </p:pic>
     </p:spTree>
@@ -3468,15 +3462,15 @@
       </p:grpSpPr>
       <p:pic>
         <p:nvPicPr>
-          <p:cNvPr id="2054" name="Picture 6">
-            <a:extLst>
-              <a:ext uri="{FF2B5EF4-FFF2-40B4-BE49-F238E27FC236}">
-                <a16:creationId xmlns:a16="http://schemas.microsoft.com/office/drawing/2014/main" id="{113F2A24-B6C2-4822-B983-76097A2B4AA4}"/>
+          <p:cNvPr id="3" name="Imagem 2">
+            <a:extLst>
+              <a:ext uri="{FF2B5EF4-FFF2-40B4-BE49-F238E27FC236}">
+                <a16:creationId xmlns:a16="http://schemas.microsoft.com/office/drawing/2014/main" id="{2653C3BE-D88A-4724-9AAC-08CA0C643D17}"/>
               </a:ext>
             </a:extLst>
           </p:cNvPr>
           <p:cNvPicPr>
-            <a:picLocks noChangeAspect="1" noChangeArrowheads="1"/>
+            <a:picLocks noChangeAspect="1"/>
           </p:cNvPicPr>
           <p:nvPr/>
         </p:nvPicPr>
@@ -3488,29 +3482,18 @@
               </a:ext>
             </a:extLst>
           </a:blip>
-          <a:srcRect/>
           <a:stretch>
             <a:fillRect/>
           </a:stretch>
         </p:blipFill>
-        <p:spPr bwMode="auto">
+        <p:spPr>
           <a:xfrm>
-            <a:off x="2704306" y="0"/>
-            <a:ext cx="6783387" cy="6858000"/>
+            <a:off x="2704617" y="0"/>
+            <a:ext cx="6782765" cy="6858000"/>
           </a:xfrm>
           <a:prstGeom prst="rect">
             <a:avLst/>
           </a:prstGeom>
-          <a:noFill/>
-          <a:extLst>
-            <a:ext uri="{909E8E84-426E-40DD-AFC4-6F175D3DCCD1}">
-              <a14:hiddenFill xmlns:a14="http://schemas.microsoft.com/office/drawing/2010/main">
-                <a:solidFill>
-                  <a:srgbClr val="FFFFFF"/>
-                </a:solidFill>
-              </a14:hiddenFill>
-            </a:ext>
-          </a:extLst>
         </p:spPr>
       </p:pic>
     </p:spTree>

--- a/16. DFD Essencial para cada Capacidade.pptx
+++ b/16. DFD Essencial para cada Capacidade.pptx
@@ -261,7 +261,7 @@
           <a:p>
             <a:fld id="{6F422344-F394-424A-896C-8000F1D83436}" type="datetimeFigureOut">
               <a:rPr lang="pt-BR" smtClean="0"/>
-              <a:t>27/09/2020</a:t>
+              <a:t>02/10/2020</a:t>
             </a:fld>
             <a:endParaRPr lang="pt-BR"/>
           </a:p>
@@ -459,7 +459,7 @@
           <a:p>
             <a:fld id="{6F422344-F394-424A-896C-8000F1D83436}" type="datetimeFigureOut">
               <a:rPr lang="pt-BR" smtClean="0"/>
-              <a:t>27/09/2020</a:t>
+              <a:t>02/10/2020</a:t>
             </a:fld>
             <a:endParaRPr lang="pt-BR"/>
           </a:p>
@@ -667,7 +667,7 @@
           <a:p>
             <a:fld id="{6F422344-F394-424A-896C-8000F1D83436}" type="datetimeFigureOut">
               <a:rPr lang="pt-BR" smtClean="0"/>
-              <a:t>27/09/2020</a:t>
+              <a:t>02/10/2020</a:t>
             </a:fld>
             <a:endParaRPr lang="pt-BR"/>
           </a:p>
@@ -865,7 +865,7 @@
           <a:p>
             <a:fld id="{6F422344-F394-424A-896C-8000F1D83436}" type="datetimeFigureOut">
               <a:rPr lang="pt-BR" smtClean="0"/>
-              <a:t>27/09/2020</a:t>
+              <a:t>02/10/2020</a:t>
             </a:fld>
             <a:endParaRPr lang="pt-BR"/>
           </a:p>
@@ -1140,7 +1140,7 @@
           <a:p>
             <a:fld id="{6F422344-F394-424A-896C-8000F1D83436}" type="datetimeFigureOut">
               <a:rPr lang="pt-BR" smtClean="0"/>
-              <a:t>27/09/2020</a:t>
+              <a:t>02/10/2020</a:t>
             </a:fld>
             <a:endParaRPr lang="pt-BR"/>
           </a:p>
@@ -1405,7 +1405,7 @@
           <a:p>
             <a:fld id="{6F422344-F394-424A-896C-8000F1D83436}" type="datetimeFigureOut">
               <a:rPr lang="pt-BR" smtClean="0"/>
-              <a:t>27/09/2020</a:t>
+              <a:t>02/10/2020</a:t>
             </a:fld>
             <a:endParaRPr lang="pt-BR"/>
           </a:p>
@@ -1817,7 +1817,7 @@
           <a:p>
             <a:fld id="{6F422344-F394-424A-896C-8000F1D83436}" type="datetimeFigureOut">
               <a:rPr lang="pt-BR" smtClean="0"/>
-              <a:t>27/09/2020</a:t>
+              <a:t>02/10/2020</a:t>
             </a:fld>
             <a:endParaRPr lang="pt-BR"/>
           </a:p>
@@ -1958,7 +1958,7 @@
           <a:p>
             <a:fld id="{6F422344-F394-424A-896C-8000F1D83436}" type="datetimeFigureOut">
               <a:rPr lang="pt-BR" smtClean="0"/>
-              <a:t>27/09/2020</a:t>
+              <a:t>02/10/2020</a:t>
             </a:fld>
             <a:endParaRPr lang="pt-BR"/>
           </a:p>
@@ -2071,7 +2071,7 @@
           <a:p>
             <a:fld id="{6F422344-F394-424A-896C-8000F1D83436}" type="datetimeFigureOut">
               <a:rPr lang="pt-BR" smtClean="0"/>
-              <a:t>27/09/2020</a:t>
+              <a:t>02/10/2020</a:t>
             </a:fld>
             <a:endParaRPr lang="pt-BR"/>
           </a:p>
@@ -2382,7 +2382,7 @@
           <a:p>
             <a:fld id="{6F422344-F394-424A-896C-8000F1D83436}" type="datetimeFigureOut">
               <a:rPr lang="pt-BR" smtClean="0"/>
-              <a:t>27/09/2020</a:t>
+              <a:t>02/10/2020</a:t>
             </a:fld>
             <a:endParaRPr lang="pt-BR"/>
           </a:p>
@@ -2670,7 +2670,7 @@
           <a:p>
             <a:fld id="{6F422344-F394-424A-896C-8000F1D83436}" type="datetimeFigureOut">
               <a:rPr lang="pt-BR" smtClean="0"/>
-              <a:t>27/09/2020</a:t>
+              <a:t>02/10/2020</a:t>
             </a:fld>
             <a:endParaRPr lang="pt-BR"/>
           </a:p>
@@ -2911,7 +2911,7 @@
           <a:p>
             <a:fld id="{6F422344-F394-424A-896C-8000F1D83436}" type="datetimeFigureOut">
               <a:rPr lang="pt-BR" smtClean="0"/>
-              <a:t>27/09/2020</a:t>
+              <a:t>02/10/2020</a:t>
             </a:fld>
             <a:endParaRPr lang="pt-BR"/>
           </a:p>
@@ -3330,10 +3330,10 @@
       </p:grpSpPr>
       <p:pic>
         <p:nvPicPr>
-          <p:cNvPr id="3" name="Imagem 2">
-            <a:extLst>
-              <a:ext uri="{FF2B5EF4-FFF2-40B4-BE49-F238E27FC236}">
-                <a16:creationId xmlns:a16="http://schemas.microsoft.com/office/drawing/2014/main" id="{E31AA929-08C8-4D77-A9E0-4F418E049A4C}"/>
+          <p:cNvPr id="6" name="Imagem 5">
+            <a:extLst>
+              <a:ext uri="{FF2B5EF4-FFF2-40B4-BE49-F238E27FC236}">
+                <a16:creationId xmlns:a16="http://schemas.microsoft.com/office/drawing/2014/main" id="{513128B6-57EA-455D-A634-EA63DEC83471}"/>
               </a:ext>
             </a:extLst>
           </p:cNvPr>
@@ -3356,8 +3356,8 @@
         </p:blipFill>
         <p:spPr>
           <a:xfrm>
-            <a:off x="1241356" y="0"/>
-            <a:ext cx="9709288" cy="6858000"/>
+            <a:off x="1371032" y="89106"/>
+            <a:ext cx="9449936" cy="6679788"/>
           </a:xfrm>
           <a:prstGeom prst="rect">
             <a:avLst/>
@@ -3396,10 +3396,10 @@
       </p:grpSpPr>
       <p:pic>
         <p:nvPicPr>
-          <p:cNvPr id="3" name="Imagem 2">
-            <a:extLst>
-              <a:ext uri="{FF2B5EF4-FFF2-40B4-BE49-F238E27FC236}">
-                <a16:creationId xmlns:a16="http://schemas.microsoft.com/office/drawing/2014/main" id="{2A34B070-3157-4237-A57C-E3B0D7F27D23}"/>
+          <p:cNvPr id="4" name="Imagem 3">
+            <a:extLst>
+              <a:ext uri="{FF2B5EF4-FFF2-40B4-BE49-F238E27FC236}">
+                <a16:creationId xmlns:a16="http://schemas.microsoft.com/office/drawing/2014/main" id="{7EBF35CD-B49C-4599-B3F6-920185128FD9}"/>
               </a:ext>
             </a:extLst>
           </p:cNvPr>
@@ -3462,10 +3462,10 @@
       </p:grpSpPr>
       <p:pic>
         <p:nvPicPr>
-          <p:cNvPr id="3" name="Imagem 2">
-            <a:extLst>
-              <a:ext uri="{FF2B5EF4-FFF2-40B4-BE49-F238E27FC236}">
-                <a16:creationId xmlns:a16="http://schemas.microsoft.com/office/drawing/2014/main" id="{2653C3BE-D88A-4724-9AAC-08CA0C643D17}"/>
+          <p:cNvPr id="4" name="Imagem 3">
+            <a:extLst>
+              <a:ext uri="{FF2B5EF4-FFF2-40B4-BE49-F238E27FC236}">
+                <a16:creationId xmlns:a16="http://schemas.microsoft.com/office/drawing/2014/main" id="{49892AC7-C739-4017-9924-25B07CB3F86B}"/>
               </a:ext>
             </a:extLst>
           </p:cNvPr>

--- a/16. DFD Essencial para cada Capacidade.pptx
+++ b/16. DFD Essencial para cada Capacidade.pptx
@@ -7,7 +7,8 @@
   <p:sldIdLst>
     <p:sldId id="256" r:id="rId2"/>
     <p:sldId id="257" r:id="rId3"/>
-    <p:sldId id="258" r:id="rId4"/>
+    <p:sldId id="259" r:id="rId4"/>
+    <p:sldId id="258" r:id="rId5"/>
   </p:sldIdLst>
   <p:sldSz cx="12192000" cy="6858000"/>
   <p:notesSz cx="6858000" cy="9144000"/>
@@ -261,7 +262,7 @@
           <a:p>
             <a:fld id="{6F422344-F394-424A-896C-8000F1D83436}" type="datetimeFigureOut">
               <a:rPr lang="pt-BR" smtClean="0"/>
-              <a:t>02/10/2020</a:t>
+              <a:t>24/10/2020</a:t>
             </a:fld>
             <a:endParaRPr lang="pt-BR"/>
           </a:p>
@@ -459,7 +460,7 @@
           <a:p>
             <a:fld id="{6F422344-F394-424A-896C-8000F1D83436}" type="datetimeFigureOut">
               <a:rPr lang="pt-BR" smtClean="0"/>
-              <a:t>02/10/2020</a:t>
+              <a:t>24/10/2020</a:t>
             </a:fld>
             <a:endParaRPr lang="pt-BR"/>
           </a:p>
@@ -667,7 +668,7 @@
           <a:p>
             <a:fld id="{6F422344-F394-424A-896C-8000F1D83436}" type="datetimeFigureOut">
               <a:rPr lang="pt-BR" smtClean="0"/>
-              <a:t>02/10/2020</a:t>
+              <a:t>24/10/2020</a:t>
             </a:fld>
             <a:endParaRPr lang="pt-BR"/>
           </a:p>
@@ -865,7 +866,7 @@
           <a:p>
             <a:fld id="{6F422344-F394-424A-896C-8000F1D83436}" type="datetimeFigureOut">
               <a:rPr lang="pt-BR" smtClean="0"/>
-              <a:t>02/10/2020</a:t>
+              <a:t>24/10/2020</a:t>
             </a:fld>
             <a:endParaRPr lang="pt-BR"/>
           </a:p>
@@ -1140,7 +1141,7 @@
           <a:p>
             <a:fld id="{6F422344-F394-424A-896C-8000F1D83436}" type="datetimeFigureOut">
               <a:rPr lang="pt-BR" smtClean="0"/>
-              <a:t>02/10/2020</a:t>
+              <a:t>24/10/2020</a:t>
             </a:fld>
             <a:endParaRPr lang="pt-BR"/>
           </a:p>
@@ -1405,7 +1406,7 @@
           <a:p>
             <a:fld id="{6F422344-F394-424A-896C-8000F1D83436}" type="datetimeFigureOut">
               <a:rPr lang="pt-BR" smtClean="0"/>
-              <a:t>02/10/2020</a:t>
+              <a:t>24/10/2020</a:t>
             </a:fld>
             <a:endParaRPr lang="pt-BR"/>
           </a:p>
@@ -1817,7 +1818,7 @@
           <a:p>
             <a:fld id="{6F422344-F394-424A-896C-8000F1D83436}" type="datetimeFigureOut">
               <a:rPr lang="pt-BR" smtClean="0"/>
-              <a:t>02/10/2020</a:t>
+              <a:t>24/10/2020</a:t>
             </a:fld>
             <a:endParaRPr lang="pt-BR"/>
           </a:p>
@@ -1958,7 +1959,7 @@
           <a:p>
             <a:fld id="{6F422344-F394-424A-896C-8000F1D83436}" type="datetimeFigureOut">
               <a:rPr lang="pt-BR" smtClean="0"/>
-              <a:t>02/10/2020</a:t>
+              <a:t>24/10/2020</a:t>
             </a:fld>
             <a:endParaRPr lang="pt-BR"/>
           </a:p>
@@ -2071,7 +2072,7 @@
           <a:p>
             <a:fld id="{6F422344-F394-424A-896C-8000F1D83436}" type="datetimeFigureOut">
               <a:rPr lang="pt-BR" smtClean="0"/>
-              <a:t>02/10/2020</a:t>
+              <a:t>24/10/2020</a:t>
             </a:fld>
             <a:endParaRPr lang="pt-BR"/>
           </a:p>
@@ -2382,7 +2383,7 @@
           <a:p>
             <a:fld id="{6F422344-F394-424A-896C-8000F1D83436}" type="datetimeFigureOut">
               <a:rPr lang="pt-BR" smtClean="0"/>
-              <a:t>02/10/2020</a:t>
+              <a:t>24/10/2020</a:t>
             </a:fld>
             <a:endParaRPr lang="pt-BR"/>
           </a:p>
@@ -2670,7 +2671,7 @@
           <a:p>
             <a:fld id="{6F422344-F394-424A-896C-8000F1D83436}" type="datetimeFigureOut">
               <a:rPr lang="pt-BR" smtClean="0"/>
-              <a:t>02/10/2020</a:t>
+              <a:t>24/10/2020</a:t>
             </a:fld>
             <a:endParaRPr lang="pt-BR"/>
           </a:p>
@@ -2911,7 +2912,7 @@
           <a:p>
             <a:fld id="{6F422344-F394-424A-896C-8000F1D83436}" type="datetimeFigureOut">
               <a:rPr lang="pt-BR" smtClean="0"/>
-              <a:t>02/10/2020</a:t>
+              <a:t>24/10/2020</a:t>
             </a:fld>
             <a:endParaRPr lang="pt-BR"/>
           </a:p>
@@ -3330,10 +3331,10 @@
       </p:grpSpPr>
       <p:pic>
         <p:nvPicPr>
-          <p:cNvPr id="6" name="Imagem 5">
-            <a:extLst>
-              <a:ext uri="{FF2B5EF4-FFF2-40B4-BE49-F238E27FC236}">
-                <a16:creationId xmlns:a16="http://schemas.microsoft.com/office/drawing/2014/main" id="{513128B6-57EA-455D-A634-EA63DEC83471}"/>
+          <p:cNvPr id="5" name="Imagem 4">
+            <a:extLst>
+              <a:ext uri="{FF2B5EF4-FFF2-40B4-BE49-F238E27FC236}">
+                <a16:creationId xmlns:a16="http://schemas.microsoft.com/office/drawing/2014/main" id="{5BB0D1DF-EC4E-400F-BB96-7FFA4A402EB7}"/>
               </a:ext>
             </a:extLst>
           </p:cNvPr>
@@ -3356,8 +3357,8 @@
         </p:blipFill>
         <p:spPr>
           <a:xfrm>
-            <a:off x="1371032" y="89106"/>
-            <a:ext cx="9449936" cy="6679788"/>
+            <a:off x="855875" y="138418"/>
+            <a:ext cx="10480250" cy="6581163"/>
           </a:xfrm>
           <a:prstGeom prst="rect">
             <a:avLst/>
@@ -3396,10 +3397,10 @@
       </p:grpSpPr>
       <p:pic>
         <p:nvPicPr>
-          <p:cNvPr id="4" name="Imagem 3">
-            <a:extLst>
-              <a:ext uri="{FF2B5EF4-FFF2-40B4-BE49-F238E27FC236}">
-                <a16:creationId xmlns:a16="http://schemas.microsoft.com/office/drawing/2014/main" id="{7EBF35CD-B49C-4599-B3F6-920185128FD9}"/>
+          <p:cNvPr id="3" name="Imagem 2">
+            <a:extLst>
+              <a:ext uri="{FF2B5EF4-FFF2-40B4-BE49-F238E27FC236}">
+                <a16:creationId xmlns:a16="http://schemas.microsoft.com/office/drawing/2014/main" id="{97FDBAEC-39CC-4B95-B29D-6150C2F2312D}"/>
               </a:ext>
             </a:extLst>
           </p:cNvPr>
@@ -3422,8 +3423,8 @@
         </p:blipFill>
         <p:spPr>
           <a:xfrm>
-            <a:off x="918882" y="0"/>
-            <a:ext cx="10354235" cy="6858000"/>
+            <a:off x="3281233" y="0"/>
+            <a:ext cx="5629533" cy="6858000"/>
           </a:xfrm>
           <a:prstGeom prst="rect">
             <a:avLst/>
@@ -3462,10 +3463,10 @@
       </p:grpSpPr>
       <p:pic>
         <p:nvPicPr>
-          <p:cNvPr id="4" name="Imagem 3">
-            <a:extLst>
-              <a:ext uri="{FF2B5EF4-FFF2-40B4-BE49-F238E27FC236}">
-                <a16:creationId xmlns:a16="http://schemas.microsoft.com/office/drawing/2014/main" id="{49892AC7-C739-4017-9924-25B07CB3F86B}"/>
+          <p:cNvPr id="3" name="Imagem 2">
+            <a:extLst>
+              <a:ext uri="{FF2B5EF4-FFF2-40B4-BE49-F238E27FC236}">
+                <a16:creationId xmlns:a16="http://schemas.microsoft.com/office/drawing/2014/main" id="{CC0337C0-46CD-4B87-BEAC-66890E4C658C}"/>
               </a:ext>
             </a:extLst>
           </p:cNvPr>
@@ -3488,8 +3489,74 @@
         </p:blipFill>
         <p:spPr>
           <a:xfrm>
-            <a:off x="2704617" y="0"/>
-            <a:ext cx="6782765" cy="6858000"/>
+            <a:off x="3177296" y="0"/>
+            <a:ext cx="5837408" cy="6858000"/>
+          </a:xfrm>
+          <a:prstGeom prst="rect">
+            <a:avLst/>
+          </a:prstGeom>
+        </p:spPr>
+      </p:pic>
+    </p:spTree>
+    <p:extLst>
+      <p:ext uri="{BB962C8B-B14F-4D97-AF65-F5344CB8AC3E}">
+        <p14:creationId xmlns:p14="http://schemas.microsoft.com/office/powerpoint/2010/main" val="634944271"/>
+      </p:ext>
+    </p:extLst>
+  </p:cSld>
+  <p:clrMapOvr>
+    <a:masterClrMapping/>
+  </p:clrMapOvr>
+</p:sld>
+</file>
+
+<file path=ppt/slides/slide4.xml><?xml version="1.0" encoding="utf-8"?>
+<p:sld xmlns:a="http://schemas.openxmlformats.org/drawingml/2006/main" xmlns:r="http://schemas.openxmlformats.org/officeDocument/2006/relationships" xmlns:p="http://schemas.openxmlformats.org/presentationml/2006/main">
+  <p:cSld>
+    <p:spTree>
+      <p:nvGrpSpPr>
+        <p:cNvPr id="1" name=""/>
+        <p:cNvGrpSpPr/>
+        <p:nvPr/>
+      </p:nvGrpSpPr>
+      <p:grpSpPr>
+        <a:xfrm>
+          <a:off x="0" y="0"/>
+          <a:ext cx="0" cy="0"/>
+          <a:chOff x="0" y="0"/>
+          <a:chExt cx="0" cy="0"/>
+        </a:xfrm>
+      </p:grpSpPr>
+      <p:pic>
+        <p:nvPicPr>
+          <p:cNvPr id="3" name="Imagem 2">
+            <a:extLst>
+              <a:ext uri="{FF2B5EF4-FFF2-40B4-BE49-F238E27FC236}">
+                <a16:creationId xmlns:a16="http://schemas.microsoft.com/office/drawing/2014/main" id="{E26DA6DB-1394-42BC-904A-A8A89BA98AE3}"/>
+              </a:ext>
+            </a:extLst>
+          </p:cNvPr>
+          <p:cNvPicPr>
+            <a:picLocks noChangeAspect="1"/>
+          </p:cNvPicPr>
+          <p:nvPr/>
+        </p:nvPicPr>
+        <p:blipFill>
+          <a:blip r:embed="rId2">
+            <a:extLst>
+              <a:ext uri="{28A0092B-C50C-407E-A947-70E740481C1C}">
+                <a14:useLocalDpi xmlns:a14="http://schemas.microsoft.com/office/drawing/2010/main" val="0"/>
+              </a:ext>
+            </a:extLst>
+          </a:blip>
+          <a:stretch>
+            <a:fillRect/>
+          </a:stretch>
+        </p:blipFill>
+        <p:spPr>
+          <a:xfrm>
+            <a:off x="2677145" y="0"/>
+            <a:ext cx="6837710" cy="6858000"/>
           </a:xfrm>
           <a:prstGeom prst="rect">
             <a:avLst/>

--- a/16. DFD Essencial para cada Capacidade.pptx
+++ b/16. DFD Essencial para cada Capacidade.pptx
@@ -3397,10 +3397,10 @@
       </p:grpSpPr>
       <p:pic>
         <p:nvPicPr>
-          <p:cNvPr id="3" name="Imagem 2">
-            <a:extLst>
-              <a:ext uri="{FF2B5EF4-FFF2-40B4-BE49-F238E27FC236}">
-                <a16:creationId xmlns:a16="http://schemas.microsoft.com/office/drawing/2014/main" id="{97FDBAEC-39CC-4B95-B29D-6150C2F2312D}"/>
+          <p:cNvPr id="4" name="Imagem 3">
+            <a:extLst>
+              <a:ext uri="{FF2B5EF4-FFF2-40B4-BE49-F238E27FC236}">
+                <a16:creationId xmlns:a16="http://schemas.microsoft.com/office/drawing/2014/main" id="{54CAE3E6-7096-46E7-83A8-5839CAF44619}"/>
               </a:ext>
             </a:extLst>
           </p:cNvPr>

--- a/16. DFD Essencial para cada Capacidade.pptx
+++ b/16. DFD Essencial para cada Capacidade.pptx
@@ -262,7 +262,7 @@
           <a:p>
             <a:fld id="{6F422344-F394-424A-896C-8000F1D83436}" type="datetimeFigureOut">
               <a:rPr lang="pt-BR" smtClean="0"/>
-              <a:t>24/10/2020</a:t>
+              <a:t>25/10/2020</a:t>
             </a:fld>
             <a:endParaRPr lang="pt-BR"/>
           </a:p>
@@ -460,7 +460,7 @@
           <a:p>
             <a:fld id="{6F422344-F394-424A-896C-8000F1D83436}" type="datetimeFigureOut">
               <a:rPr lang="pt-BR" smtClean="0"/>
-              <a:t>24/10/2020</a:t>
+              <a:t>25/10/2020</a:t>
             </a:fld>
             <a:endParaRPr lang="pt-BR"/>
           </a:p>
@@ -668,7 +668,7 @@
           <a:p>
             <a:fld id="{6F422344-F394-424A-896C-8000F1D83436}" type="datetimeFigureOut">
               <a:rPr lang="pt-BR" smtClean="0"/>
-              <a:t>24/10/2020</a:t>
+              <a:t>25/10/2020</a:t>
             </a:fld>
             <a:endParaRPr lang="pt-BR"/>
           </a:p>
@@ -866,7 +866,7 @@
           <a:p>
             <a:fld id="{6F422344-F394-424A-896C-8000F1D83436}" type="datetimeFigureOut">
               <a:rPr lang="pt-BR" smtClean="0"/>
-              <a:t>24/10/2020</a:t>
+              <a:t>25/10/2020</a:t>
             </a:fld>
             <a:endParaRPr lang="pt-BR"/>
           </a:p>
@@ -1141,7 +1141,7 @@
           <a:p>
             <a:fld id="{6F422344-F394-424A-896C-8000F1D83436}" type="datetimeFigureOut">
               <a:rPr lang="pt-BR" smtClean="0"/>
-              <a:t>24/10/2020</a:t>
+              <a:t>25/10/2020</a:t>
             </a:fld>
             <a:endParaRPr lang="pt-BR"/>
           </a:p>
@@ -1406,7 +1406,7 @@
           <a:p>
             <a:fld id="{6F422344-F394-424A-896C-8000F1D83436}" type="datetimeFigureOut">
               <a:rPr lang="pt-BR" smtClean="0"/>
-              <a:t>24/10/2020</a:t>
+              <a:t>25/10/2020</a:t>
             </a:fld>
             <a:endParaRPr lang="pt-BR"/>
           </a:p>
@@ -1818,7 +1818,7 @@
           <a:p>
             <a:fld id="{6F422344-F394-424A-896C-8000F1D83436}" type="datetimeFigureOut">
               <a:rPr lang="pt-BR" smtClean="0"/>
-              <a:t>24/10/2020</a:t>
+              <a:t>25/10/2020</a:t>
             </a:fld>
             <a:endParaRPr lang="pt-BR"/>
           </a:p>
@@ -1959,7 +1959,7 @@
           <a:p>
             <a:fld id="{6F422344-F394-424A-896C-8000F1D83436}" type="datetimeFigureOut">
               <a:rPr lang="pt-BR" smtClean="0"/>
-              <a:t>24/10/2020</a:t>
+              <a:t>25/10/2020</a:t>
             </a:fld>
             <a:endParaRPr lang="pt-BR"/>
           </a:p>
@@ -2072,7 +2072,7 @@
           <a:p>
             <a:fld id="{6F422344-F394-424A-896C-8000F1D83436}" type="datetimeFigureOut">
               <a:rPr lang="pt-BR" smtClean="0"/>
-              <a:t>24/10/2020</a:t>
+              <a:t>25/10/2020</a:t>
             </a:fld>
             <a:endParaRPr lang="pt-BR"/>
           </a:p>
@@ -2383,7 +2383,7 @@
           <a:p>
             <a:fld id="{6F422344-F394-424A-896C-8000F1D83436}" type="datetimeFigureOut">
               <a:rPr lang="pt-BR" smtClean="0"/>
-              <a:t>24/10/2020</a:t>
+              <a:t>25/10/2020</a:t>
             </a:fld>
             <a:endParaRPr lang="pt-BR"/>
           </a:p>
@@ -2671,7 +2671,7 @@
           <a:p>
             <a:fld id="{6F422344-F394-424A-896C-8000F1D83436}" type="datetimeFigureOut">
               <a:rPr lang="pt-BR" smtClean="0"/>
-              <a:t>24/10/2020</a:t>
+              <a:t>25/10/2020</a:t>
             </a:fld>
             <a:endParaRPr lang="pt-BR"/>
           </a:p>
@@ -2912,7 +2912,7 @@
           <a:p>
             <a:fld id="{6F422344-F394-424A-896C-8000F1D83436}" type="datetimeFigureOut">
               <a:rPr lang="pt-BR" smtClean="0"/>
-              <a:t>24/10/2020</a:t>
+              <a:t>25/10/2020</a:t>
             </a:fld>
             <a:endParaRPr lang="pt-BR"/>
           </a:p>
@@ -3331,10 +3331,10 @@
       </p:grpSpPr>
       <p:pic>
         <p:nvPicPr>
-          <p:cNvPr id="5" name="Imagem 4">
-            <a:extLst>
-              <a:ext uri="{FF2B5EF4-FFF2-40B4-BE49-F238E27FC236}">
-                <a16:creationId xmlns:a16="http://schemas.microsoft.com/office/drawing/2014/main" id="{5BB0D1DF-EC4E-400F-BB96-7FFA4A402EB7}"/>
+          <p:cNvPr id="3" name="Imagem 2">
+            <a:extLst>
+              <a:ext uri="{FF2B5EF4-FFF2-40B4-BE49-F238E27FC236}">
+                <a16:creationId xmlns:a16="http://schemas.microsoft.com/office/drawing/2014/main" id="{F8ADD872-9FD0-43AE-B873-3D4DFBEC7F70}"/>
               </a:ext>
             </a:extLst>
           </p:cNvPr>
@@ -3357,8 +3357,8 @@
         </p:blipFill>
         <p:spPr>
           <a:xfrm>
-            <a:off x="855875" y="138418"/>
-            <a:ext cx="10480250" cy="6581163"/>
+            <a:off x="541670" y="464365"/>
+            <a:ext cx="11108660" cy="5929269"/>
           </a:xfrm>
           <a:prstGeom prst="rect">
             <a:avLst/>
@@ -3397,10 +3397,10 @@
       </p:grpSpPr>
       <p:pic>
         <p:nvPicPr>
-          <p:cNvPr id="4" name="Imagem 3">
-            <a:extLst>
-              <a:ext uri="{FF2B5EF4-FFF2-40B4-BE49-F238E27FC236}">
-                <a16:creationId xmlns:a16="http://schemas.microsoft.com/office/drawing/2014/main" id="{54CAE3E6-7096-46E7-83A8-5839CAF44619}"/>
+          <p:cNvPr id="3" name="Imagem 2">
+            <a:extLst>
+              <a:ext uri="{FF2B5EF4-FFF2-40B4-BE49-F238E27FC236}">
+                <a16:creationId xmlns:a16="http://schemas.microsoft.com/office/drawing/2014/main" id="{F7EA98F1-E0A4-428A-8976-9EE59B6E4302}"/>
               </a:ext>
             </a:extLst>
           </p:cNvPr>
@@ -3423,8 +3423,8 @@
         </p:blipFill>
         <p:spPr>
           <a:xfrm>
-            <a:off x="3281233" y="0"/>
-            <a:ext cx="5629533" cy="6858000"/>
+            <a:off x="2011313" y="0"/>
+            <a:ext cx="8169374" cy="6858000"/>
           </a:xfrm>
           <a:prstGeom prst="rect">
             <a:avLst/>
@@ -3463,10 +3463,10 @@
       </p:grpSpPr>
       <p:pic>
         <p:nvPicPr>
-          <p:cNvPr id="3" name="Imagem 2">
-            <a:extLst>
-              <a:ext uri="{FF2B5EF4-FFF2-40B4-BE49-F238E27FC236}">
-                <a16:creationId xmlns:a16="http://schemas.microsoft.com/office/drawing/2014/main" id="{CC0337C0-46CD-4B87-BEAC-66890E4C658C}"/>
+          <p:cNvPr id="4" name="Imagem 3">
+            <a:extLst>
+              <a:ext uri="{FF2B5EF4-FFF2-40B4-BE49-F238E27FC236}">
+                <a16:creationId xmlns:a16="http://schemas.microsoft.com/office/drawing/2014/main" id="{01988E47-9D33-4450-8DBA-E790F69A407B}"/>
               </a:ext>
             </a:extLst>
           </p:cNvPr>
@@ -3489,8 +3489,8 @@
         </p:blipFill>
         <p:spPr>
           <a:xfrm>
-            <a:off x="3177296" y="0"/>
-            <a:ext cx="5837408" cy="6858000"/>
+            <a:off x="3098967" y="0"/>
+            <a:ext cx="5994065" cy="6858000"/>
           </a:xfrm>
           <a:prstGeom prst="rect">
             <a:avLst/>
@@ -3529,10 +3529,10 @@
       </p:grpSpPr>
       <p:pic>
         <p:nvPicPr>
-          <p:cNvPr id="3" name="Imagem 2">
-            <a:extLst>
-              <a:ext uri="{FF2B5EF4-FFF2-40B4-BE49-F238E27FC236}">
-                <a16:creationId xmlns:a16="http://schemas.microsoft.com/office/drawing/2014/main" id="{E26DA6DB-1394-42BC-904A-A8A89BA98AE3}"/>
+          <p:cNvPr id="4" name="Imagem 3">
+            <a:extLst>
+              <a:ext uri="{FF2B5EF4-FFF2-40B4-BE49-F238E27FC236}">
+                <a16:creationId xmlns:a16="http://schemas.microsoft.com/office/drawing/2014/main" id="{F97623EB-EAC6-4338-8DC3-0FEB97D4B7C2}"/>
               </a:ext>
             </a:extLst>
           </p:cNvPr>
@@ -3555,8 +3555,8 @@
         </p:blipFill>
         <p:spPr>
           <a:xfrm>
-            <a:off x="2677145" y="0"/>
-            <a:ext cx="6837710" cy="6858000"/>
+            <a:off x="1666463" y="0"/>
+            <a:ext cx="8859073" cy="6858000"/>
           </a:xfrm>
           <a:prstGeom prst="rect">
             <a:avLst/>

--- a/16. DFD Essencial para cada Capacidade.pptx
+++ b/16. DFD Essencial para cada Capacidade.pptx
@@ -262,7 +262,7 @@
           <a:p>
             <a:fld id="{6F422344-F394-424A-896C-8000F1D83436}" type="datetimeFigureOut">
               <a:rPr lang="pt-BR" smtClean="0"/>
-              <a:t>25/10/2020</a:t>
+              <a:t>07/11/2020</a:t>
             </a:fld>
             <a:endParaRPr lang="pt-BR"/>
           </a:p>
@@ -460,7 +460,7 @@
           <a:p>
             <a:fld id="{6F422344-F394-424A-896C-8000F1D83436}" type="datetimeFigureOut">
               <a:rPr lang="pt-BR" smtClean="0"/>
-              <a:t>25/10/2020</a:t>
+              <a:t>07/11/2020</a:t>
             </a:fld>
             <a:endParaRPr lang="pt-BR"/>
           </a:p>
@@ -668,7 +668,7 @@
           <a:p>
             <a:fld id="{6F422344-F394-424A-896C-8000F1D83436}" type="datetimeFigureOut">
               <a:rPr lang="pt-BR" smtClean="0"/>
-              <a:t>25/10/2020</a:t>
+              <a:t>07/11/2020</a:t>
             </a:fld>
             <a:endParaRPr lang="pt-BR"/>
           </a:p>
@@ -866,7 +866,7 @@
           <a:p>
             <a:fld id="{6F422344-F394-424A-896C-8000F1D83436}" type="datetimeFigureOut">
               <a:rPr lang="pt-BR" smtClean="0"/>
-              <a:t>25/10/2020</a:t>
+              <a:t>07/11/2020</a:t>
             </a:fld>
             <a:endParaRPr lang="pt-BR"/>
           </a:p>
@@ -1141,7 +1141,7 @@
           <a:p>
             <a:fld id="{6F422344-F394-424A-896C-8000F1D83436}" type="datetimeFigureOut">
               <a:rPr lang="pt-BR" smtClean="0"/>
-              <a:t>25/10/2020</a:t>
+              <a:t>07/11/2020</a:t>
             </a:fld>
             <a:endParaRPr lang="pt-BR"/>
           </a:p>
@@ -1406,7 +1406,7 @@
           <a:p>
             <a:fld id="{6F422344-F394-424A-896C-8000F1D83436}" type="datetimeFigureOut">
               <a:rPr lang="pt-BR" smtClean="0"/>
-              <a:t>25/10/2020</a:t>
+              <a:t>07/11/2020</a:t>
             </a:fld>
             <a:endParaRPr lang="pt-BR"/>
           </a:p>
@@ -1818,7 +1818,7 @@
           <a:p>
             <a:fld id="{6F422344-F394-424A-896C-8000F1D83436}" type="datetimeFigureOut">
               <a:rPr lang="pt-BR" smtClean="0"/>
-              <a:t>25/10/2020</a:t>
+              <a:t>07/11/2020</a:t>
             </a:fld>
             <a:endParaRPr lang="pt-BR"/>
           </a:p>
@@ -1959,7 +1959,7 @@
           <a:p>
             <a:fld id="{6F422344-F394-424A-896C-8000F1D83436}" type="datetimeFigureOut">
               <a:rPr lang="pt-BR" smtClean="0"/>
-              <a:t>25/10/2020</a:t>
+              <a:t>07/11/2020</a:t>
             </a:fld>
             <a:endParaRPr lang="pt-BR"/>
           </a:p>
@@ -2072,7 +2072,7 @@
           <a:p>
             <a:fld id="{6F422344-F394-424A-896C-8000F1D83436}" type="datetimeFigureOut">
               <a:rPr lang="pt-BR" smtClean="0"/>
-              <a:t>25/10/2020</a:t>
+              <a:t>07/11/2020</a:t>
             </a:fld>
             <a:endParaRPr lang="pt-BR"/>
           </a:p>
@@ -2383,7 +2383,7 @@
           <a:p>
             <a:fld id="{6F422344-F394-424A-896C-8000F1D83436}" type="datetimeFigureOut">
               <a:rPr lang="pt-BR" smtClean="0"/>
-              <a:t>25/10/2020</a:t>
+              <a:t>07/11/2020</a:t>
             </a:fld>
             <a:endParaRPr lang="pt-BR"/>
           </a:p>
@@ -2671,7 +2671,7 @@
           <a:p>
             <a:fld id="{6F422344-F394-424A-896C-8000F1D83436}" type="datetimeFigureOut">
               <a:rPr lang="pt-BR" smtClean="0"/>
-              <a:t>25/10/2020</a:t>
+              <a:t>07/11/2020</a:t>
             </a:fld>
             <a:endParaRPr lang="pt-BR"/>
           </a:p>
@@ -2912,7 +2912,7 @@
           <a:p>
             <a:fld id="{6F422344-F394-424A-896C-8000F1D83436}" type="datetimeFigureOut">
               <a:rPr lang="pt-BR" smtClean="0"/>
-              <a:t>25/10/2020</a:t>
+              <a:t>07/11/2020</a:t>
             </a:fld>
             <a:endParaRPr lang="pt-BR"/>
           </a:p>
@@ -3331,10 +3331,10 @@
       </p:grpSpPr>
       <p:pic>
         <p:nvPicPr>
-          <p:cNvPr id="3" name="Imagem 2">
-            <a:extLst>
-              <a:ext uri="{FF2B5EF4-FFF2-40B4-BE49-F238E27FC236}">
-                <a16:creationId xmlns:a16="http://schemas.microsoft.com/office/drawing/2014/main" id="{F8ADD872-9FD0-43AE-B873-3D4DFBEC7F70}"/>
+          <p:cNvPr id="4" name="Imagem 3">
+            <a:extLst>
+              <a:ext uri="{FF2B5EF4-FFF2-40B4-BE49-F238E27FC236}">
+                <a16:creationId xmlns:a16="http://schemas.microsoft.com/office/drawing/2014/main" id="{C8BC9337-DECE-45B5-ADD2-34E0D6524A09}"/>
               </a:ext>
             </a:extLst>
           </p:cNvPr>
@@ -3357,8 +3357,8 @@
         </p:blipFill>
         <p:spPr>
           <a:xfrm>
-            <a:off x="541670" y="464365"/>
-            <a:ext cx="11108660" cy="5929269"/>
+            <a:off x="0" y="177800"/>
+            <a:ext cx="12192000" cy="6502400"/>
           </a:xfrm>
           <a:prstGeom prst="rect">
             <a:avLst/>
@@ -3397,10 +3397,10 @@
       </p:grpSpPr>
       <p:pic>
         <p:nvPicPr>
-          <p:cNvPr id="3" name="Imagem 2">
-            <a:extLst>
-              <a:ext uri="{FF2B5EF4-FFF2-40B4-BE49-F238E27FC236}">
-                <a16:creationId xmlns:a16="http://schemas.microsoft.com/office/drawing/2014/main" id="{F7EA98F1-E0A4-428A-8976-9EE59B6E4302}"/>
+          <p:cNvPr id="4" name="Imagem 3">
+            <a:extLst>
+              <a:ext uri="{FF2B5EF4-FFF2-40B4-BE49-F238E27FC236}">
+                <a16:creationId xmlns:a16="http://schemas.microsoft.com/office/drawing/2014/main" id="{8CAE0A1E-33CB-41E9-93CA-E83A6889E770}"/>
               </a:ext>
             </a:extLst>
           </p:cNvPr>
@@ -3463,10 +3463,10 @@
       </p:grpSpPr>
       <p:pic>
         <p:nvPicPr>
-          <p:cNvPr id="4" name="Imagem 3">
-            <a:extLst>
-              <a:ext uri="{FF2B5EF4-FFF2-40B4-BE49-F238E27FC236}">
-                <a16:creationId xmlns:a16="http://schemas.microsoft.com/office/drawing/2014/main" id="{01988E47-9D33-4450-8DBA-E790F69A407B}"/>
+          <p:cNvPr id="3" name="Imagem 2">
+            <a:extLst>
+              <a:ext uri="{FF2B5EF4-FFF2-40B4-BE49-F238E27FC236}">
+                <a16:creationId xmlns:a16="http://schemas.microsoft.com/office/drawing/2014/main" id="{3BFE39AD-80D3-41FF-B3FE-E982E515461C}"/>
               </a:ext>
             </a:extLst>
           </p:cNvPr>
@@ -3489,8 +3489,8 @@
         </p:blipFill>
         <p:spPr>
           <a:xfrm>
-            <a:off x="3098967" y="0"/>
-            <a:ext cx="5994065" cy="6858000"/>
+            <a:off x="3146278" y="0"/>
+            <a:ext cx="5899443" cy="6858000"/>
           </a:xfrm>
           <a:prstGeom prst="rect">
             <a:avLst/>
@@ -3529,10 +3529,10 @@
       </p:grpSpPr>
       <p:pic>
         <p:nvPicPr>
-          <p:cNvPr id="4" name="Imagem 3">
-            <a:extLst>
-              <a:ext uri="{FF2B5EF4-FFF2-40B4-BE49-F238E27FC236}">
-                <a16:creationId xmlns:a16="http://schemas.microsoft.com/office/drawing/2014/main" id="{F97623EB-EAC6-4338-8DC3-0FEB97D4B7C2}"/>
+          <p:cNvPr id="3" name="Imagem 2">
+            <a:extLst>
+              <a:ext uri="{FF2B5EF4-FFF2-40B4-BE49-F238E27FC236}">
+                <a16:creationId xmlns:a16="http://schemas.microsoft.com/office/drawing/2014/main" id="{EDCDCC09-F313-4544-B0B1-DA425DFC04AE}"/>
               </a:ext>
             </a:extLst>
           </p:cNvPr>
@@ -3555,8 +3555,8 @@
         </p:blipFill>
         <p:spPr>
           <a:xfrm>
-            <a:off x="1666463" y="0"/>
-            <a:ext cx="8859073" cy="6858000"/>
+            <a:off x="1666518" y="0"/>
+            <a:ext cx="8858963" cy="6858000"/>
           </a:xfrm>
           <a:prstGeom prst="rect">
             <a:avLst/>
